--- a/figuras/data collection flowchart.pptx
+++ b/figuras/data collection flowchart.pptx
@@ -197,7 +197,7 @@
           <a:p>
             <a:fld id="{F502981D-DF6E-4B41-A266-D32CBBB46BA8}" type="datetimeFigureOut">
               <a:rPr lang="en-IE" smtClean="0"/>
-              <a:t>17/03/2025</a:t>
+              <a:t>06/04/2025</a:t>
             </a:fld>
             <a:endParaRPr lang="en-IE"/>
           </a:p>
@@ -680,7 +680,7 @@
           <a:p>
             <a:fld id="{42B88697-8535-461A-8FCF-6ECD7AF000AA}" type="datetimeFigureOut">
               <a:rPr lang="pt-BR" smtClean="0"/>
-              <a:t>17/03/2025</a:t>
+              <a:t>06/04/2025</a:t>
             </a:fld>
             <a:endParaRPr lang="pt-BR"/>
           </a:p>
@@ -850,7 +850,7 @@
           <a:p>
             <a:fld id="{42B88697-8535-461A-8FCF-6ECD7AF000AA}" type="datetimeFigureOut">
               <a:rPr lang="pt-BR" smtClean="0"/>
-              <a:t>17/03/2025</a:t>
+              <a:t>06/04/2025</a:t>
             </a:fld>
             <a:endParaRPr lang="pt-BR"/>
           </a:p>
@@ -1030,7 +1030,7 @@
           <a:p>
             <a:fld id="{42B88697-8535-461A-8FCF-6ECD7AF000AA}" type="datetimeFigureOut">
               <a:rPr lang="pt-BR" smtClean="0"/>
-              <a:t>17/03/2025</a:t>
+              <a:t>06/04/2025</a:t>
             </a:fld>
             <a:endParaRPr lang="pt-BR"/>
           </a:p>
@@ -1200,7 +1200,7 @@
           <a:p>
             <a:fld id="{42B88697-8535-461A-8FCF-6ECD7AF000AA}" type="datetimeFigureOut">
               <a:rPr lang="pt-BR" smtClean="0"/>
-              <a:t>17/03/2025</a:t>
+              <a:t>06/04/2025</a:t>
             </a:fld>
             <a:endParaRPr lang="pt-BR"/>
           </a:p>
@@ -1446,7 +1446,7 @@
           <a:p>
             <a:fld id="{42B88697-8535-461A-8FCF-6ECD7AF000AA}" type="datetimeFigureOut">
               <a:rPr lang="pt-BR" smtClean="0"/>
-              <a:t>17/03/2025</a:t>
+              <a:t>06/04/2025</a:t>
             </a:fld>
             <a:endParaRPr lang="pt-BR"/>
           </a:p>
@@ -1678,7 +1678,7 @@
           <a:p>
             <a:fld id="{42B88697-8535-461A-8FCF-6ECD7AF000AA}" type="datetimeFigureOut">
               <a:rPr lang="pt-BR" smtClean="0"/>
-              <a:t>17/03/2025</a:t>
+              <a:t>06/04/2025</a:t>
             </a:fld>
             <a:endParaRPr lang="pt-BR"/>
           </a:p>
@@ -2045,7 +2045,7 @@
           <a:p>
             <a:fld id="{42B88697-8535-461A-8FCF-6ECD7AF000AA}" type="datetimeFigureOut">
               <a:rPr lang="pt-BR" smtClean="0"/>
-              <a:t>17/03/2025</a:t>
+              <a:t>06/04/2025</a:t>
             </a:fld>
             <a:endParaRPr lang="pt-BR"/>
           </a:p>
@@ -2163,7 +2163,7 @@
           <a:p>
             <a:fld id="{42B88697-8535-461A-8FCF-6ECD7AF000AA}" type="datetimeFigureOut">
               <a:rPr lang="pt-BR" smtClean="0"/>
-              <a:t>17/03/2025</a:t>
+              <a:t>06/04/2025</a:t>
             </a:fld>
             <a:endParaRPr lang="pt-BR"/>
           </a:p>
@@ -2258,7 +2258,7 @@
           <a:p>
             <a:fld id="{42B88697-8535-461A-8FCF-6ECD7AF000AA}" type="datetimeFigureOut">
               <a:rPr lang="pt-BR" smtClean="0"/>
-              <a:t>17/03/2025</a:t>
+              <a:t>06/04/2025</a:t>
             </a:fld>
             <a:endParaRPr lang="pt-BR"/>
           </a:p>
@@ -2535,7 +2535,7 @@
           <a:p>
             <a:fld id="{42B88697-8535-461A-8FCF-6ECD7AF000AA}" type="datetimeFigureOut">
               <a:rPr lang="pt-BR" smtClean="0"/>
-              <a:t>17/03/2025</a:t>
+              <a:t>06/04/2025</a:t>
             </a:fld>
             <a:endParaRPr lang="pt-BR"/>
           </a:p>
@@ -2792,7 +2792,7 @@
           <a:p>
             <a:fld id="{42B88697-8535-461A-8FCF-6ECD7AF000AA}" type="datetimeFigureOut">
               <a:rPr lang="pt-BR" smtClean="0"/>
-              <a:t>17/03/2025</a:t>
+              <a:t>06/04/2025</a:t>
             </a:fld>
             <a:endParaRPr lang="pt-BR"/>
           </a:p>
@@ -3005,7 +3005,7 @@
           <a:p>
             <a:fld id="{42B88697-8535-461A-8FCF-6ECD7AF000AA}" type="datetimeFigureOut">
               <a:rPr lang="pt-BR" smtClean="0"/>
-              <a:t>17/03/2025</a:t>
+              <a:t>06/04/2025</a:t>
             </a:fld>
             <a:endParaRPr lang="pt-BR"/>
           </a:p>
@@ -3426,7 +3426,7 @@
         </p:nvCxnSpPr>
         <p:spPr>
           <a:xfrm>
-            <a:off x="8817403" y="3623781"/>
+            <a:off x="7951130" y="3662282"/>
             <a:ext cx="0" cy="2575386"/>
           </a:xfrm>
           <a:prstGeom prst="line">
@@ -3465,7 +3465,7 @@
         </p:nvCxnSpPr>
         <p:spPr>
           <a:xfrm>
-            <a:off x="8817403" y="5602929"/>
+            <a:off x="7951130" y="5641430"/>
             <a:ext cx="697588" cy="0"/>
           </a:xfrm>
           <a:prstGeom prst="line">
@@ -3502,7 +3502,7 @@
         </p:nvSpPr>
         <p:spPr>
           <a:xfrm>
-            <a:off x="9103511" y="5311494"/>
+            <a:off x="8237238" y="5349995"/>
             <a:ext cx="1386840" cy="615429"/>
           </a:xfrm>
           <a:prstGeom prst="rect">
@@ -3558,7 +3558,7 @@
         </p:nvCxnSpPr>
         <p:spPr>
           <a:xfrm>
-            <a:off x="3051634" y="3649982"/>
+            <a:off x="3975659" y="3649982"/>
             <a:ext cx="0" cy="2575386"/>
           </a:xfrm>
           <a:prstGeom prst="line">
@@ -3595,7 +3595,7 @@
         </p:nvSpPr>
         <p:spPr>
           <a:xfrm>
-            <a:off x="1451613" y="6408776"/>
+            <a:off x="2375638" y="6408776"/>
             <a:ext cx="1476924" cy="715124"/>
           </a:xfrm>
           <a:prstGeom prst="rect">
@@ -3630,7 +3630,7 @@
                 <a:latin typeface="Times New Roman" panose="02020603050405020304" pitchFamily="18" charset="0"/>
                 <a:cs typeface="Times New Roman" panose="02020603050405020304" pitchFamily="18" charset="0"/>
               </a:rPr>
-              <a:t>Massa magra total, n=11355</a:t>
+              <a:t>Massa magra total, n=11.355</a:t>
             </a:r>
           </a:p>
         </p:txBody>
@@ -3651,7 +3651,7 @@
         </p:nvCxnSpPr>
         <p:spPr>
           <a:xfrm>
-            <a:off x="3064874" y="5607554"/>
+            <a:off x="3988899" y="5607554"/>
             <a:ext cx="697588" cy="0"/>
           </a:xfrm>
           <a:prstGeom prst="line">
@@ -3688,7 +3688,7 @@
         </p:nvSpPr>
         <p:spPr>
           <a:xfrm>
-            <a:off x="3350982" y="5316119"/>
+            <a:off x="4275007" y="5316119"/>
             <a:ext cx="1386840" cy="615429"/>
           </a:xfrm>
           <a:prstGeom prst="rect">
@@ -3778,7 +3778,7 @@
                 <a:latin typeface="Times New Roman" panose="02020603050405020304" pitchFamily="18" charset="0"/>
                 <a:cs typeface="Times New Roman" panose="02020603050405020304" pitchFamily="18" charset="0"/>
               </a:rPr>
-              <a:t>Participantes incluídos nos ciclos do NHANES 2007–2018 (n=59842)</a:t>
+              <a:t>Participantes incluídos nos ciclos do NHANES 2007–2018 (n=59.842)</a:t>
             </a:r>
           </a:p>
         </p:txBody>
@@ -3917,7 +3917,7 @@
                 <a:latin typeface="Times New Roman" panose="02020603050405020304" pitchFamily="18" charset="0"/>
                 <a:cs typeface="Times New Roman" panose="02020603050405020304" pitchFamily="18" charset="0"/>
               </a:rPr>
-              <a:t>Pesos amostrais dos recordatórios alimentares indisponíveis (n=7506)</a:t>
+              <a:t>Pesos amostrais dos recordatórios alimentares indisponíveis (n=7.506)</a:t>
             </a:r>
           </a:p>
           <a:p>
@@ -3943,7 +3943,7 @@
                 <a:latin typeface="Times New Roman" panose="02020603050405020304" pitchFamily="18" charset="0"/>
                 <a:cs typeface="Times New Roman" panose="02020603050405020304" pitchFamily="18" charset="0"/>
               </a:rPr>
-              <a:t>&lt; 18 anos (n=19049)</a:t>
+              <a:t>&lt; 18 anos (n=19.049)</a:t>
             </a:r>
           </a:p>
           <a:p>
@@ -4011,7 +4011,7 @@
                 <a:latin typeface="Times New Roman" panose="02020603050405020304" pitchFamily="18" charset="0"/>
                 <a:cs typeface="Times New Roman" panose="02020603050405020304" pitchFamily="18" charset="0"/>
               </a:rPr>
-              <a:t>Participantes adultos com informação nutricional disponível (n=32293)</a:t>
+              <a:t>Participantes adultos com informação nutricional disponível (n=32.293)</a:t>
             </a:r>
           </a:p>
         </p:txBody>
@@ -4030,8 +4030,8 @@
         </p:nvSpPr>
         <p:spPr>
           <a:xfrm>
-            <a:off x="2190075" y="3128065"/>
-            <a:ext cx="1779663" cy="319054"/>
+            <a:off x="3305858" y="3301956"/>
+            <a:ext cx="1303583" cy="287431"/>
           </a:xfrm>
           <a:prstGeom prst="roundRect">
             <a:avLst/>
@@ -4098,8 +4098,8 @@
         </p:nvCxnSpPr>
         <p:spPr>
           <a:xfrm>
-            <a:off x="3060700" y="3660492"/>
-            <a:ext cx="5765800" cy="0"/>
+            <a:off x="3969738" y="3660492"/>
+            <a:ext cx="3990491" cy="0"/>
           </a:xfrm>
           <a:prstGeom prst="line">
             <a:avLst/>
@@ -4135,7 +4135,7 @@
         </p:nvSpPr>
         <p:spPr>
           <a:xfrm>
-            <a:off x="7782397" y="4316355"/>
+            <a:off x="6916124" y="4354856"/>
             <a:ext cx="2070012" cy="715124"/>
           </a:xfrm>
           <a:prstGeom prst="rect">
@@ -4177,7 +4177,7 @@
                 <a:latin typeface="Times New Roman" panose="02020603050405020304" pitchFamily="18" charset="0"/>
                 <a:cs typeface="Times New Roman" panose="02020603050405020304" pitchFamily="18" charset="0"/>
               </a:rPr>
-              <a:t> válidos e completos de colo femoral n=15008</a:t>
+              <a:t> válidos e completos de colo femoral n=15.008</a:t>
             </a:r>
           </a:p>
         </p:txBody>
@@ -4196,7 +4196,7 @@
         </p:nvSpPr>
         <p:spPr>
           <a:xfrm>
-            <a:off x="2044901" y="4321467"/>
+            <a:off x="2968926" y="4321467"/>
             <a:ext cx="2070012" cy="715124"/>
           </a:xfrm>
           <a:prstGeom prst="rect">
@@ -4238,7 +4238,7 @@
                 <a:latin typeface="Times New Roman" panose="02020603050405020304" pitchFamily="18" charset="0"/>
                 <a:cs typeface="Times New Roman" panose="02020603050405020304" pitchFamily="18" charset="0"/>
               </a:rPr>
-              <a:t> válidos e completos de corpo inteiro n=11375</a:t>
+              <a:t> válidos e completos de corpo inteiro n=11.375</a:t>
             </a:r>
           </a:p>
         </p:txBody>
@@ -4257,8 +4257,8 @@
         </p:nvSpPr>
         <p:spPr>
           <a:xfrm>
-            <a:off x="7917387" y="3089042"/>
-            <a:ext cx="1797425" cy="353142"/>
+            <a:off x="7271534" y="3297998"/>
+            <a:ext cx="1369078" cy="287431"/>
           </a:xfrm>
           <a:prstGeom prst="roundRect">
             <a:avLst/>
@@ -4325,7 +4325,7 @@
         </p:nvCxnSpPr>
         <p:spPr>
           <a:xfrm>
-            <a:off x="2190075" y="6225368"/>
+            <a:off x="3114100" y="6225368"/>
             <a:ext cx="870625" cy="0"/>
           </a:xfrm>
           <a:prstGeom prst="line">
@@ -4364,7 +4364,7 @@
         </p:nvCxnSpPr>
         <p:spPr>
           <a:xfrm>
-            <a:off x="2199803" y="6225368"/>
+            <a:off x="3123828" y="6225368"/>
             <a:ext cx="0" cy="183408"/>
           </a:xfrm>
           <a:prstGeom prst="line">
@@ -4403,7 +4403,7 @@
         </p:nvCxnSpPr>
         <p:spPr>
           <a:xfrm>
-            <a:off x="3051634" y="6225368"/>
+            <a:off x="3975659" y="6225368"/>
             <a:ext cx="870625" cy="0"/>
           </a:xfrm>
           <a:prstGeom prst="line">
@@ -4442,7 +4442,7 @@
         </p:nvCxnSpPr>
         <p:spPr>
           <a:xfrm>
-            <a:off x="3922259" y="6225946"/>
+            <a:off x="4846284" y="6225946"/>
             <a:ext cx="0" cy="183408"/>
           </a:xfrm>
           <a:prstGeom prst="line">
@@ -4479,7 +4479,7 @@
         </p:nvSpPr>
         <p:spPr>
           <a:xfrm>
-            <a:off x="3183797" y="6405201"/>
+            <a:off x="4107822" y="6405201"/>
             <a:ext cx="1476924" cy="715124"/>
           </a:xfrm>
           <a:prstGeom prst="rect">
@@ -4514,7 +4514,7 @@
                 <a:latin typeface="Times New Roman" panose="02020603050405020304" pitchFamily="18" charset="0"/>
                 <a:cs typeface="Times New Roman" panose="02020603050405020304" pitchFamily="18" charset="0"/>
               </a:rPr>
-              <a:t>Sarcopenia, n=11138</a:t>
+              <a:t>Sarcopenia, n=11.138</a:t>
             </a:r>
           </a:p>
         </p:txBody>
@@ -4533,7 +4533,7 @@
         </p:nvSpPr>
         <p:spPr>
           <a:xfrm>
-            <a:off x="7149831" y="6396154"/>
+            <a:off x="6283558" y="6434655"/>
             <a:ext cx="1553574" cy="715124"/>
           </a:xfrm>
           <a:prstGeom prst="rect">
@@ -4568,7 +4568,7 @@
                 <a:latin typeface="Times New Roman" panose="02020603050405020304" pitchFamily="18" charset="0"/>
                 <a:cs typeface="Times New Roman" panose="02020603050405020304" pitchFamily="18" charset="0"/>
               </a:rPr>
-              <a:t>DMO colo femoral, n=14956</a:t>
+              <a:t>DMO colo femoral, n=14.956</a:t>
             </a:r>
           </a:p>
         </p:txBody>
@@ -4589,7 +4589,7 @@
         </p:nvCxnSpPr>
         <p:spPr>
           <a:xfrm>
-            <a:off x="7964943" y="6212746"/>
+            <a:off x="7098670" y="6251247"/>
             <a:ext cx="870625" cy="0"/>
           </a:xfrm>
           <a:prstGeom prst="line">
@@ -4628,7 +4628,7 @@
         </p:nvCxnSpPr>
         <p:spPr>
           <a:xfrm>
-            <a:off x="7974671" y="6212746"/>
+            <a:off x="7108398" y="6251247"/>
             <a:ext cx="0" cy="183408"/>
           </a:xfrm>
           <a:prstGeom prst="line">
@@ -4667,7 +4667,7 @@
         </p:nvCxnSpPr>
         <p:spPr>
           <a:xfrm>
-            <a:off x="8826502" y="6212746"/>
+            <a:off x="7960229" y="6251247"/>
             <a:ext cx="870625" cy="0"/>
           </a:xfrm>
           <a:prstGeom prst="line">
@@ -4706,7 +4706,7 @@
         </p:nvCxnSpPr>
         <p:spPr>
           <a:xfrm>
-            <a:off x="9697127" y="6213324"/>
+            <a:off x="8830854" y="6251825"/>
             <a:ext cx="0" cy="183408"/>
           </a:xfrm>
           <a:prstGeom prst="line">
@@ -4743,7 +4743,7 @@
         </p:nvSpPr>
         <p:spPr>
           <a:xfrm>
-            <a:off x="8958664" y="6392579"/>
+            <a:off x="8092391" y="6431080"/>
             <a:ext cx="1553573" cy="715124"/>
           </a:xfrm>
           <a:prstGeom prst="rect">
@@ -4778,7 +4778,7 @@
                 <a:latin typeface="Times New Roman" panose="02020603050405020304" pitchFamily="18" charset="0"/>
                 <a:cs typeface="Times New Roman" panose="02020603050405020304" pitchFamily="18" charset="0"/>
               </a:rPr>
-              <a:t>Osteoporose, n=14956</a:t>
+              <a:t>Osteoporose, n=14.956</a:t>
             </a:r>
           </a:p>
         </p:txBody>
